--- a/PUK/Meetings/21-12 Simulation done and ARIMA introduction.pptx
+++ b/PUK/Meetings/21-12 Simulation done and ARIMA introduction.pptx
@@ -13,6 +13,7 @@
     <p:sldId id="262" r:id="rId7"/>
     <p:sldId id="264" r:id="rId8"/>
     <p:sldId id="265" r:id="rId9"/>
+    <p:sldId id="267" r:id="rId10"/>
   </p:sldIdLst>
   <p:sldSz cx="12192000" cy="6858000"/>
   <p:notesSz cx="6858000" cy="9144000"/>
@@ -111,7 +112,72 @@
       </a:defRPr>
     </a:lvl9pPr>
   </p:defaultTextStyle>
+  <p:extLst>
+    <p:ext uri="{EFAFB233-063F-42B5-8137-9DF3F51BA10A}">
+      <p15:sldGuideLst xmlns:p15="http://schemas.microsoft.com/office/powerpoint/2012/main"/>
+    </p:ext>
+  </p:extLst>
 </p:presentation>
+</file>
+
+<file path=ppt/changesInfos/changesInfo1.xml><?xml version="1.0" encoding="utf-8"?>
+<pc:chgInfo xmlns:a="http://schemas.openxmlformats.org/drawingml/2006/main" xmlns:r="http://schemas.openxmlformats.org/officeDocument/2006/relationships" xmlns:ac="http://schemas.microsoft.com/office/drawing/2013/main/command" xmlns:pc="http://schemas.microsoft.com/office/powerpoint/2013/main/command">
+  <pc:docChgLst>
+    <pc:chgData name="Birk Nøhr Dissing" userId="9f16f90f-bd2a-4063-a72f-deae502fc0f4" providerId="ADAL" clId="{818D5F15-B9C0-467D-B611-993B03CBF370}"/>
+    <pc:docChg chg="custSel addSld modSld">
+      <pc:chgData name="Birk Nøhr Dissing" userId="9f16f90f-bd2a-4063-a72f-deae502fc0f4" providerId="ADAL" clId="{818D5F15-B9C0-467D-B611-993B03CBF370}" dt="2023-12-21T10:42:23.915" v="7" actId="478"/>
+      <pc:docMkLst>
+        <pc:docMk/>
+      </pc:docMkLst>
+      <pc:sldChg chg="modSp mod">
+        <pc:chgData name="Birk Nøhr Dissing" userId="9f16f90f-bd2a-4063-a72f-deae502fc0f4" providerId="ADAL" clId="{818D5F15-B9C0-467D-B611-993B03CBF370}" dt="2023-12-21T10:32:45.119" v="1" actId="20577"/>
+        <pc:sldMkLst>
+          <pc:docMk/>
+          <pc:sldMk cId="2974385353" sldId="260"/>
+        </pc:sldMkLst>
+        <pc:spChg chg="mod">
+          <ac:chgData name="Birk Nøhr Dissing" userId="9f16f90f-bd2a-4063-a72f-deae502fc0f4" providerId="ADAL" clId="{818D5F15-B9C0-467D-B611-993B03CBF370}" dt="2023-12-21T10:32:45.119" v="1" actId="20577"/>
+          <ac:spMkLst>
+            <pc:docMk/>
+            <pc:sldMk cId="2974385353" sldId="260"/>
+            <ac:spMk id="3" creationId="{B0BFBF41-E2EF-552E-76B4-CB6CFDBFBA08}"/>
+          </ac:spMkLst>
+        </pc:spChg>
+      </pc:sldChg>
+      <pc:sldChg chg="addSp delSp modSp new mod">
+        <pc:chgData name="Birk Nøhr Dissing" userId="9f16f90f-bd2a-4063-a72f-deae502fc0f4" providerId="ADAL" clId="{818D5F15-B9C0-467D-B611-993B03CBF370}" dt="2023-12-21T10:42:23.915" v="7" actId="478"/>
+        <pc:sldMkLst>
+          <pc:docMk/>
+          <pc:sldMk cId="2000475625" sldId="267"/>
+        </pc:sldMkLst>
+        <pc:spChg chg="del">
+          <ac:chgData name="Birk Nøhr Dissing" userId="9f16f90f-bd2a-4063-a72f-deae502fc0f4" providerId="ADAL" clId="{818D5F15-B9C0-467D-B611-993B03CBF370}" dt="2023-12-21T10:42:20.981" v="6" actId="478"/>
+          <ac:spMkLst>
+            <pc:docMk/>
+            <pc:sldMk cId="2000475625" sldId="267"/>
+            <ac:spMk id="2" creationId="{001245F2-CE02-85D4-C72E-EF298626105D}"/>
+          </ac:spMkLst>
+        </pc:spChg>
+        <pc:spChg chg="del">
+          <ac:chgData name="Birk Nøhr Dissing" userId="9f16f90f-bd2a-4063-a72f-deae502fc0f4" providerId="ADAL" clId="{818D5F15-B9C0-467D-B611-993B03CBF370}" dt="2023-12-21T10:42:23.915" v="7" actId="478"/>
+          <ac:spMkLst>
+            <pc:docMk/>
+            <pc:sldMk cId="2000475625" sldId="267"/>
+            <ac:spMk id="3" creationId="{0CDA2DB1-8092-7F84-FE40-339156F65F6B}"/>
+          </ac:spMkLst>
+        </pc:spChg>
+        <pc:picChg chg="add mod">
+          <ac:chgData name="Birk Nøhr Dissing" userId="9f16f90f-bd2a-4063-a72f-deae502fc0f4" providerId="ADAL" clId="{818D5F15-B9C0-467D-B611-993B03CBF370}" dt="2023-12-21T10:42:12.524" v="5" actId="1076"/>
+          <ac:picMkLst>
+            <pc:docMk/>
+            <pc:sldMk cId="2000475625" sldId="267"/>
+            <ac:picMk id="5" creationId="{F9E39907-B9D7-479E-25F7-12794BAAF121}"/>
+          </ac:picMkLst>
+        </pc:picChg>
+      </pc:sldChg>
+    </pc:docChg>
+  </pc:docChgLst>
+</pc:chgInfo>
 </file>
 
 <file path=ppt/slideLayouts/slideLayout1.xml><?xml version="1.0" encoding="utf-8"?>
@@ -263,7 +329,7 @@
           <a:p>
             <a:fld id="{7CDCC6B4-0554-4828-9813-217224F918E9}" type="datetimeFigureOut">
               <a:rPr lang="en-GB" smtClean="0"/>
-              <a:t>20/12/2023</a:t>
+              <a:t>21/12/2023</a:t>
             </a:fld>
             <a:endParaRPr lang="en-GB"/>
           </a:p>
@@ -317,7 +383,7 @@
           <a:p>
             <a:fld id="{6598D5AB-B225-4187-B3CD-848BC0CD55EA}" type="slidenum">
               <a:rPr lang="en-GB" smtClean="0"/>
-              <a:t>‹#›</a:t>
+              <a:t>‹nr.›</a:t>
             </a:fld>
             <a:endParaRPr lang="en-GB"/>
           </a:p>
@@ -463,7 +529,7 @@
           <a:p>
             <a:fld id="{7CDCC6B4-0554-4828-9813-217224F918E9}" type="datetimeFigureOut">
               <a:rPr lang="en-GB" smtClean="0"/>
-              <a:t>20/12/2023</a:t>
+              <a:t>21/12/2023</a:t>
             </a:fld>
             <a:endParaRPr lang="en-GB"/>
           </a:p>
@@ -517,7 +583,7 @@
           <a:p>
             <a:fld id="{6598D5AB-B225-4187-B3CD-848BC0CD55EA}" type="slidenum">
               <a:rPr lang="en-GB" smtClean="0"/>
-              <a:t>‹#›</a:t>
+              <a:t>‹nr.›</a:t>
             </a:fld>
             <a:endParaRPr lang="en-GB"/>
           </a:p>
@@ -673,7 +739,7 @@
           <a:p>
             <a:fld id="{7CDCC6B4-0554-4828-9813-217224F918E9}" type="datetimeFigureOut">
               <a:rPr lang="en-GB" smtClean="0"/>
-              <a:t>20/12/2023</a:t>
+              <a:t>21/12/2023</a:t>
             </a:fld>
             <a:endParaRPr lang="en-GB"/>
           </a:p>
@@ -727,7 +793,7 @@
           <a:p>
             <a:fld id="{6598D5AB-B225-4187-B3CD-848BC0CD55EA}" type="slidenum">
               <a:rPr lang="en-GB" smtClean="0"/>
-              <a:t>‹#›</a:t>
+              <a:t>‹nr.›</a:t>
             </a:fld>
             <a:endParaRPr lang="en-GB"/>
           </a:p>
@@ -873,7 +939,7 @@
           <a:p>
             <a:fld id="{7CDCC6B4-0554-4828-9813-217224F918E9}" type="datetimeFigureOut">
               <a:rPr lang="en-GB" smtClean="0"/>
-              <a:t>20/12/2023</a:t>
+              <a:t>21/12/2023</a:t>
             </a:fld>
             <a:endParaRPr lang="en-GB"/>
           </a:p>
@@ -927,7 +993,7 @@
           <a:p>
             <a:fld id="{6598D5AB-B225-4187-B3CD-848BC0CD55EA}" type="slidenum">
               <a:rPr lang="en-GB" smtClean="0"/>
-              <a:t>‹#›</a:t>
+              <a:t>‹nr.›</a:t>
             </a:fld>
             <a:endParaRPr lang="en-GB"/>
           </a:p>
@@ -1149,7 +1215,7 @@
           <a:p>
             <a:fld id="{7CDCC6B4-0554-4828-9813-217224F918E9}" type="datetimeFigureOut">
               <a:rPr lang="en-GB" smtClean="0"/>
-              <a:t>20/12/2023</a:t>
+              <a:t>21/12/2023</a:t>
             </a:fld>
             <a:endParaRPr lang="en-GB"/>
           </a:p>
@@ -1203,7 +1269,7 @@
           <a:p>
             <a:fld id="{6598D5AB-B225-4187-B3CD-848BC0CD55EA}" type="slidenum">
               <a:rPr lang="en-GB" smtClean="0"/>
-              <a:t>‹#›</a:t>
+              <a:t>‹nr.›</a:t>
             </a:fld>
             <a:endParaRPr lang="en-GB"/>
           </a:p>
@@ -1417,7 +1483,7 @@
           <a:p>
             <a:fld id="{7CDCC6B4-0554-4828-9813-217224F918E9}" type="datetimeFigureOut">
               <a:rPr lang="en-GB" smtClean="0"/>
-              <a:t>20/12/2023</a:t>
+              <a:t>21/12/2023</a:t>
             </a:fld>
             <a:endParaRPr lang="en-GB"/>
           </a:p>
@@ -1471,7 +1537,7 @@
           <a:p>
             <a:fld id="{6598D5AB-B225-4187-B3CD-848BC0CD55EA}" type="slidenum">
               <a:rPr lang="en-GB" smtClean="0"/>
-              <a:t>‹#›</a:t>
+              <a:t>‹nr.›</a:t>
             </a:fld>
             <a:endParaRPr lang="en-GB"/>
           </a:p>
@@ -1832,7 +1898,7 @@
           <a:p>
             <a:fld id="{7CDCC6B4-0554-4828-9813-217224F918E9}" type="datetimeFigureOut">
               <a:rPr lang="en-GB" smtClean="0"/>
-              <a:t>20/12/2023</a:t>
+              <a:t>21/12/2023</a:t>
             </a:fld>
             <a:endParaRPr lang="en-GB"/>
           </a:p>
@@ -1886,7 +1952,7 @@
           <a:p>
             <a:fld id="{6598D5AB-B225-4187-B3CD-848BC0CD55EA}" type="slidenum">
               <a:rPr lang="en-GB" smtClean="0"/>
-              <a:t>‹#›</a:t>
+              <a:t>‹nr.›</a:t>
             </a:fld>
             <a:endParaRPr lang="en-GB"/>
           </a:p>
@@ -1974,7 +2040,7 @@
           <a:p>
             <a:fld id="{7CDCC6B4-0554-4828-9813-217224F918E9}" type="datetimeFigureOut">
               <a:rPr lang="en-GB" smtClean="0"/>
-              <a:t>20/12/2023</a:t>
+              <a:t>21/12/2023</a:t>
             </a:fld>
             <a:endParaRPr lang="en-GB"/>
           </a:p>
@@ -2028,7 +2094,7 @@
           <a:p>
             <a:fld id="{6598D5AB-B225-4187-B3CD-848BC0CD55EA}" type="slidenum">
               <a:rPr lang="en-GB" smtClean="0"/>
-              <a:t>‹#›</a:t>
+              <a:t>‹nr.›</a:t>
             </a:fld>
             <a:endParaRPr lang="en-GB"/>
           </a:p>
@@ -2087,7 +2153,7 @@
           <a:p>
             <a:fld id="{7CDCC6B4-0554-4828-9813-217224F918E9}" type="datetimeFigureOut">
               <a:rPr lang="en-GB" smtClean="0"/>
-              <a:t>20/12/2023</a:t>
+              <a:t>21/12/2023</a:t>
             </a:fld>
             <a:endParaRPr lang="en-GB"/>
           </a:p>
@@ -2141,7 +2207,7 @@
           <a:p>
             <a:fld id="{6598D5AB-B225-4187-B3CD-848BC0CD55EA}" type="slidenum">
               <a:rPr lang="en-GB" smtClean="0"/>
-              <a:t>‹#›</a:t>
+              <a:t>‹nr.›</a:t>
             </a:fld>
             <a:endParaRPr lang="en-GB"/>
           </a:p>
@@ -2400,7 +2466,7 @@
           <a:p>
             <a:fld id="{7CDCC6B4-0554-4828-9813-217224F918E9}" type="datetimeFigureOut">
               <a:rPr lang="en-GB" smtClean="0"/>
-              <a:t>20/12/2023</a:t>
+              <a:t>21/12/2023</a:t>
             </a:fld>
             <a:endParaRPr lang="en-GB"/>
           </a:p>
@@ -2454,7 +2520,7 @@
           <a:p>
             <a:fld id="{6598D5AB-B225-4187-B3CD-848BC0CD55EA}" type="slidenum">
               <a:rPr lang="en-GB" smtClean="0"/>
-              <a:t>‹#›</a:t>
+              <a:t>‹nr.›</a:t>
             </a:fld>
             <a:endParaRPr lang="en-GB"/>
           </a:p>
@@ -2689,7 +2755,7 @@
           <a:p>
             <a:fld id="{7CDCC6B4-0554-4828-9813-217224F918E9}" type="datetimeFigureOut">
               <a:rPr lang="en-GB" smtClean="0"/>
-              <a:t>20/12/2023</a:t>
+              <a:t>21/12/2023</a:t>
             </a:fld>
             <a:endParaRPr lang="en-GB"/>
           </a:p>
@@ -2743,7 +2809,7 @@
           <a:p>
             <a:fld id="{6598D5AB-B225-4187-B3CD-848BC0CD55EA}" type="slidenum">
               <a:rPr lang="en-GB" smtClean="0"/>
-              <a:t>‹#›</a:t>
+              <a:t>‹nr.›</a:t>
             </a:fld>
             <a:endParaRPr lang="en-GB"/>
           </a:p>
@@ -2932,7 +2998,7 @@
           <a:p>
             <a:fld id="{7CDCC6B4-0554-4828-9813-217224F918E9}" type="datetimeFigureOut">
               <a:rPr lang="en-GB" smtClean="0"/>
-              <a:t>20/12/2023</a:t>
+              <a:t>21/12/2023</a:t>
             </a:fld>
             <a:endParaRPr lang="en-GB"/>
           </a:p>
@@ -3022,7 +3088,7 @@
           <a:p>
             <a:fld id="{6598D5AB-B225-4187-B3CD-848BC0CD55EA}" type="slidenum">
               <a:rPr lang="en-GB" smtClean="0"/>
-              <a:t>‹#›</a:t>
+              <a:t>‹nr.›</a:t>
             </a:fld>
             <a:endParaRPr lang="en-GB"/>
           </a:p>
@@ -3529,7 +3595,13 @@
                   <p:embed/>
                   <p:pic>
                     <p:nvPicPr>
-                      <p:cNvPr id="0" name=""/>
+                      <p:cNvPr id="10" name="Object 9">
+                        <a:extLst>
+                          <a:ext uri="{FF2B5EF4-FFF2-40B4-BE49-F238E27FC236}">
+                            <a16:creationId xmlns:a16="http://schemas.microsoft.com/office/drawing/2014/main" id="{3E72B362-DEFF-1BEC-6EC0-7E2FAF51BACC}"/>
+                          </a:ext>
+                        </a:extLst>
+                      </p:cNvPr>
                       <p:cNvPicPr/>
                       <p:nvPr/>
                     </p:nvPicPr>
@@ -3768,7 +3840,7 @@
             </a:pPr>
             <a:r>
               <a:rPr lang="da-DK" dirty="0"/>
-              <a:t>MA(p)</a:t>
+              <a:t>MA(q)</a:t>
             </a:r>
           </a:p>
           <a:p>
@@ -4495,6 +4567,66 @@
     <p:extLst>
       <p:ext uri="{BB962C8B-B14F-4D97-AF65-F5344CB8AC3E}">
         <p14:creationId xmlns:p14="http://schemas.microsoft.com/office/powerpoint/2010/main" val="1903205096"/>
+      </p:ext>
+    </p:extLst>
+  </p:cSld>
+  <p:clrMapOvr>
+    <a:masterClrMapping/>
+  </p:clrMapOvr>
+</p:sld>
+</file>
+
+<file path=ppt/slides/slide9.xml><?xml version="1.0" encoding="utf-8"?>
+<p:sld xmlns:a="http://schemas.openxmlformats.org/drawingml/2006/main" xmlns:r="http://schemas.openxmlformats.org/officeDocument/2006/relationships" xmlns:p="http://schemas.openxmlformats.org/presentationml/2006/main">
+  <p:cSld>
+    <p:spTree>
+      <p:nvGrpSpPr>
+        <p:cNvPr id="1" name=""/>
+        <p:cNvGrpSpPr/>
+        <p:nvPr/>
+      </p:nvGrpSpPr>
+      <p:grpSpPr>
+        <a:xfrm>
+          <a:off x="0" y="0"/>
+          <a:ext cx="0" cy="0"/>
+          <a:chOff x="0" y="0"/>
+          <a:chExt cx="0" cy="0"/>
+        </a:xfrm>
+      </p:grpSpPr>
+      <p:pic>
+        <p:nvPicPr>
+          <p:cNvPr id="5" name="Billede 4">
+            <a:extLst>
+              <a:ext uri="{FF2B5EF4-FFF2-40B4-BE49-F238E27FC236}">
+                <a16:creationId xmlns:a16="http://schemas.microsoft.com/office/drawing/2014/main" id="{F9E39907-B9D7-479E-25F7-12794BAAF121}"/>
+              </a:ext>
+            </a:extLst>
+          </p:cNvPr>
+          <p:cNvPicPr>
+            <a:picLocks noChangeAspect="1"/>
+          </p:cNvPicPr>
+          <p:nvPr/>
+        </p:nvPicPr>
+        <p:blipFill>
+          <a:blip r:embed="rId2"/>
+          <a:stretch>
+            <a:fillRect/>
+          </a:stretch>
+        </p:blipFill>
+        <p:spPr>
+          <a:xfrm>
+            <a:off x="1706251" y="855760"/>
+            <a:ext cx="8103165" cy="5321203"/>
+          </a:xfrm>
+          <a:prstGeom prst="rect">
+            <a:avLst/>
+          </a:prstGeom>
+        </p:spPr>
+      </p:pic>
+    </p:spTree>
+    <p:extLst>
+      <p:ext uri="{BB962C8B-B14F-4D97-AF65-F5344CB8AC3E}">
+        <p14:creationId xmlns:p14="http://schemas.microsoft.com/office/powerpoint/2010/main" val="2000475625"/>
       </p:ext>
     </p:extLst>
   </p:cSld>
